--- a/homework3/Logistic Regression.pptx
+++ b/homework3/Logistic Regression.pptx
@@ -773,6 +773,7 @@
           <a:p>
             <a:fld id="{A945AC2B-FC80-487B-A4C5-2A8A01987AC9}" type="datetimeFigureOut">
               <a:rPr lang="tr-TR" smtClean="0"/>
+              <a:pPr/>
               <a:t>06.08.2020</a:t>
             </a:fld>
             <a:endParaRPr lang="tr-TR"/>
@@ -833,6 +834,7 @@
           <a:p>
             <a:fld id="{995B0932-C120-4DDE-A7FD-14005B0FFF65}" type="slidenum">
               <a:rPr lang="tr-TR" smtClean="0"/>
+              <a:pPr/>
               <a:t>‹#›</a:t>
             </a:fld>
             <a:endParaRPr lang="tr-TR"/>
@@ -956,6 +958,7 @@
           <a:p>
             <a:fld id="{A945AC2B-FC80-487B-A4C5-2A8A01987AC9}" type="datetimeFigureOut">
               <a:rPr lang="tr-TR" smtClean="0"/>
+              <a:pPr/>
               <a:t>06.08.2020</a:t>
             </a:fld>
             <a:endParaRPr lang="tr-TR"/>
@@ -998,6 +1001,7 @@
           <a:p>
             <a:fld id="{995B0932-C120-4DDE-A7FD-14005B0FFF65}" type="slidenum">
               <a:rPr lang="tr-TR" smtClean="0"/>
+              <a:pPr/>
               <a:t>‹#›</a:t>
             </a:fld>
             <a:endParaRPr lang="tr-TR"/>
@@ -1131,6 +1135,7 @@
           <a:p>
             <a:fld id="{A945AC2B-FC80-487B-A4C5-2A8A01987AC9}" type="datetimeFigureOut">
               <a:rPr lang="tr-TR" smtClean="0"/>
+              <a:pPr/>
               <a:t>06.08.2020</a:t>
             </a:fld>
             <a:endParaRPr lang="tr-TR"/>
@@ -1173,6 +1178,7 @@
           <a:p>
             <a:fld id="{995B0932-C120-4DDE-A7FD-14005B0FFF65}" type="slidenum">
               <a:rPr lang="tr-TR" smtClean="0"/>
+              <a:pPr/>
               <a:t>‹#›</a:t>
             </a:fld>
             <a:endParaRPr lang="tr-TR"/>
@@ -1296,6 +1302,7 @@
           <a:p>
             <a:fld id="{A945AC2B-FC80-487B-A4C5-2A8A01987AC9}" type="datetimeFigureOut">
               <a:rPr lang="tr-TR" smtClean="0"/>
+              <a:pPr/>
               <a:t>06.08.2020</a:t>
             </a:fld>
             <a:endParaRPr lang="tr-TR"/>
@@ -1338,6 +1345,7 @@
           <a:p>
             <a:fld id="{995B0932-C120-4DDE-A7FD-14005B0FFF65}" type="slidenum">
               <a:rPr lang="tr-TR" smtClean="0"/>
+              <a:pPr/>
               <a:t>‹#›</a:t>
             </a:fld>
             <a:endParaRPr lang="tr-TR"/>
@@ -1517,6 +1525,7 @@
           <a:p>
             <a:fld id="{A945AC2B-FC80-487B-A4C5-2A8A01987AC9}" type="datetimeFigureOut">
               <a:rPr lang="tr-TR" smtClean="0"/>
+              <a:pPr/>
               <a:t>06.08.2020</a:t>
             </a:fld>
             <a:endParaRPr lang="tr-TR"/>
@@ -1559,6 +1568,7 @@
           <a:p>
             <a:fld id="{995B0932-C120-4DDE-A7FD-14005B0FFF65}" type="slidenum">
               <a:rPr lang="tr-TR" smtClean="0"/>
+              <a:pPr/>
               <a:t>‹#›</a:t>
             </a:fld>
             <a:endParaRPr lang="tr-TR"/>
@@ -1776,6 +1786,7 @@
           <a:p>
             <a:fld id="{A945AC2B-FC80-487B-A4C5-2A8A01987AC9}" type="datetimeFigureOut">
               <a:rPr lang="tr-TR" smtClean="0"/>
+              <a:pPr/>
               <a:t>06.08.2020</a:t>
             </a:fld>
             <a:endParaRPr lang="tr-TR"/>
@@ -1818,6 +1829,7 @@
           <a:p>
             <a:fld id="{995B0932-C120-4DDE-A7FD-14005B0FFF65}" type="slidenum">
               <a:rPr lang="tr-TR" smtClean="0"/>
+              <a:pPr/>
               <a:t>‹#›</a:t>
             </a:fld>
             <a:endParaRPr lang="tr-TR"/>
@@ -2180,6 +2192,7 @@
           <a:p>
             <a:fld id="{A945AC2B-FC80-487B-A4C5-2A8A01987AC9}" type="datetimeFigureOut">
               <a:rPr lang="tr-TR" smtClean="0"/>
+              <a:pPr/>
               <a:t>06.08.2020</a:t>
             </a:fld>
             <a:endParaRPr lang="tr-TR"/>
@@ -2203,6 +2216,7 @@
           <a:p>
             <a:fld id="{995B0932-C120-4DDE-A7FD-14005B0FFF65}" type="slidenum">
               <a:rPr lang="tr-TR" smtClean="0"/>
+              <a:pPr/>
               <a:t>‹#›</a:t>
             </a:fld>
             <a:endParaRPr lang="tr-TR"/>
@@ -2311,6 +2325,7 @@
           <a:p>
             <a:fld id="{A945AC2B-FC80-487B-A4C5-2A8A01987AC9}" type="datetimeFigureOut">
               <a:rPr lang="tr-TR" smtClean="0"/>
+              <a:pPr/>
               <a:t>06.08.2020</a:t>
             </a:fld>
             <a:endParaRPr lang="tr-TR"/>
@@ -2363,6 +2378,7 @@
           <a:p>
             <a:fld id="{995B0932-C120-4DDE-A7FD-14005B0FFF65}" type="slidenum">
               <a:rPr lang="tr-TR" smtClean="0"/>
+              <a:pPr/>
               <a:t>‹#›</a:t>
             </a:fld>
             <a:endParaRPr lang="tr-TR"/>
@@ -2411,6 +2427,7 @@
           <a:p>
             <a:fld id="{A945AC2B-FC80-487B-A4C5-2A8A01987AC9}" type="datetimeFigureOut">
               <a:rPr lang="tr-TR" smtClean="0"/>
+              <a:pPr/>
               <a:t>06.08.2020</a:t>
             </a:fld>
             <a:endParaRPr lang="tr-TR"/>
@@ -2453,6 +2470,7 @@
           <a:p>
             <a:fld id="{995B0932-C120-4DDE-A7FD-14005B0FFF65}" type="slidenum">
               <a:rPr lang="tr-TR" smtClean="0"/>
+              <a:pPr/>
               <a:t>‹#›</a:t>
             </a:fld>
             <a:endParaRPr lang="tr-TR"/>
@@ -2656,6 +2674,7 @@
           <a:p>
             <a:fld id="{A945AC2B-FC80-487B-A4C5-2A8A01987AC9}" type="datetimeFigureOut">
               <a:rPr lang="tr-TR" smtClean="0"/>
+              <a:pPr/>
               <a:t>06.08.2020</a:t>
             </a:fld>
             <a:endParaRPr lang="tr-TR"/>
@@ -2698,6 +2717,7 @@
           <a:p>
             <a:fld id="{995B0932-C120-4DDE-A7FD-14005B0FFF65}" type="slidenum">
               <a:rPr lang="tr-TR" smtClean="0"/>
+              <a:pPr/>
               <a:t>‹#›</a:t>
             </a:fld>
             <a:endParaRPr lang="tr-TR"/>
@@ -2900,6 +2920,7 @@
           <a:p>
             <a:fld id="{A945AC2B-FC80-487B-A4C5-2A8A01987AC9}" type="datetimeFigureOut">
               <a:rPr lang="tr-TR" smtClean="0"/>
+              <a:pPr/>
               <a:t>06.08.2020</a:t>
             </a:fld>
             <a:endParaRPr lang="tr-TR"/>
@@ -2942,6 +2963,7 @@
           <a:p>
             <a:fld id="{995B0932-C120-4DDE-A7FD-14005B0FFF65}" type="slidenum">
               <a:rPr lang="tr-TR" smtClean="0"/>
+              <a:pPr/>
               <a:t>‹#›</a:t>
             </a:fld>
             <a:endParaRPr lang="tr-TR"/>
@@ -3724,6 +3746,7 @@
           <a:p>
             <a:fld id="{A945AC2B-FC80-487B-A4C5-2A8A01987AC9}" type="datetimeFigureOut">
               <a:rPr lang="tr-TR" smtClean="0"/>
+              <a:pPr/>
               <a:t>06.08.2020</a:t>
             </a:fld>
             <a:endParaRPr lang="tr-TR"/>
@@ -3798,6 +3821,7 @@
           <a:p>
             <a:fld id="{995B0932-C120-4DDE-A7FD-14005B0FFF65}" type="slidenum">
               <a:rPr lang="tr-TR" smtClean="0"/>
+              <a:pPr/>
               <a:t>‹#›</a:t>
             </a:fld>
             <a:endParaRPr lang="tr-TR"/>
@@ -4230,11 +4254,7 @@
             </a:r>
             <a:r>
               <a:rPr lang="tr-TR" dirty="0" err="1" smtClean="0"/>
-              <a:t>Variable</a:t>
-            </a:r>
-            <a:r>
-              <a:rPr lang="tr-TR" dirty="0" err="1" smtClean="0"/>
-              <a:t>s</a:t>
+              <a:t>Variables</a:t>
             </a:r>
             <a:endParaRPr lang="tr-TR" dirty="0"/>
           </a:p>
@@ -4419,8 +4439,8 @@
         </p:nvGrpSpPr>
         <p:grpSpPr>
           <a:xfrm>
-            <a:off x="3929058" y="2071678"/>
-            <a:ext cx="4786346" cy="4572032"/>
+            <a:off x="3714744" y="1857364"/>
+            <a:ext cx="5000660" cy="4786346"/>
             <a:chOff x="4071934" y="2214554"/>
             <a:chExt cx="4600575" cy="4391025"/>
           </a:xfrm>
@@ -5109,7 +5129,7 @@
             <a:lstStyle/>
             <a:p>
               <a:r>
-                <a:rPr lang="tr-TR" b="1" u="sng" dirty="0" err="1" smtClean="0"/>
+                <a:rPr lang="tr-TR" sz="1200" b="1" u="sng" dirty="0" err="1" smtClean="0"/>
                 <a:t>Reminding</a:t>
               </a:r>
               <a:r>
@@ -5442,7 +5462,7 @@
       </p:sp>
       <p:pic>
         <p:nvPicPr>
-          <p:cNvPr id="5122" name="Picture 2"/>
+          <p:cNvPr id="3074" name="Picture 2"/>
           <p:cNvPicPr>
             <a:picLocks noGrp="1" noChangeAspect="1" noChangeArrowheads="1"/>
           </p:cNvPicPr>
@@ -5460,7 +5480,7 @@
         <p:spPr bwMode="auto">
           <a:xfrm>
             <a:off x="714348" y="1428736"/>
-            <a:ext cx="4143405" cy="957102"/>
+            <a:ext cx="4314821" cy="2960657"/>
           </a:xfrm>
           <a:prstGeom prst="rect">
             <a:avLst/>
@@ -5475,104 +5495,9 @@
           <a:effectLst/>
         </p:spPr>
       </p:pic>
-      <p:sp>
-        <p:nvSpPr>
-          <p:cNvPr id="5" name="4 Metin kutusu"/>
-          <p:cNvSpPr txBox="1"/>
-          <p:nvPr/>
-        </p:nvSpPr>
-        <p:spPr>
-          <a:xfrm>
-            <a:off x="5143504" y="1428736"/>
-            <a:ext cx="3286148" cy="923330"/>
-          </a:xfrm>
-          <a:prstGeom prst="rect">
-            <a:avLst/>
-          </a:prstGeom>
-          <a:noFill/>
-        </p:spPr>
-        <p:txBody>
-          <a:bodyPr wrap="square" rtlCol="0">
-            <a:spAutoFit/>
-          </a:bodyPr>
-          <a:lstStyle/>
-          <a:p>
-            <a:pPr algn="just"/>
-            <a:r>
-              <a:rPr lang="tr-TR" b="1" u="sng" dirty="0" err="1" smtClean="0"/>
-              <a:t>Note</a:t>
-            </a:r>
-            <a:r>
-              <a:rPr lang="tr-TR" b="1" u="sng" dirty="0" smtClean="0"/>
-              <a:t>: </a:t>
-            </a:r>
-            <a:r>
-              <a:rPr lang="tr-TR" dirty="0" smtClean="0"/>
-              <a:t>X_</a:t>
-            </a:r>
-            <a:r>
-              <a:rPr lang="tr-TR" dirty="0" err="1" smtClean="0"/>
-              <a:t>train</a:t>
-            </a:r>
-            <a:r>
-              <a:rPr lang="tr-TR" dirty="0" smtClean="0"/>
-              <a:t> is </a:t>
-            </a:r>
-            <a:r>
-              <a:rPr lang="tr-TR" dirty="0" err="1" smtClean="0"/>
-              <a:t>includes</a:t>
-            </a:r>
-            <a:r>
-              <a:rPr lang="tr-TR" dirty="0" smtClean="0"/>
-              <a:t>  </a:t>
-            </a:r>
-            <a:r>
-              <a:rPr lang="tr-TR" dirty="0" err="1" smtClean="0"/>
-              <a:t>variables</a:t>
-            </a:r>
-            <a:r>
-              <a:rPr lang="tr-TR" dirty="0" smtClean="0"/>
-              <a:t> </a:t>
-            </a:r>
-            <a:r>
-              <a:rPr lang="tr-TR" dirty="0" err="1" smtClean="0"/>
-              <a:t>that</a:t>
-            </a:r>
-            <a:r>
-              <a:rPr lang="tr-TR" dirty="0" smtClean="0"/>
-              <a:t> </a:t>
-            </a:r>
-            <a:r>
-              <a:rPr lang="tr-TR" dirty="0" err="1" smtClean="0"/>
-              <a:t>are</a:t>
-            </a:r>
-            <a:r>
-              <a:rPr lang="tr-TR" dirty="0" smtClean="0"/>
-              <a:t> at </a:t>
-            </a:r>
-            <a:r>
-              <a:rPr lang="tr-TR" dirty="0" err="1" smtClean="0"/>
-              <a:t>result</a:t>
-            </a:r>
-            <a:r>
-              <a:rPr lang="tr-TR" dirty="0" smtClean="0"/>
-              <a:t> of </a:t>
-            </a:r>
-            <a:r>
-              <a:rPr lang="tr-TR" dirty="0" err="1" smtClean="0"/>
-              <a:t>previous</a:t>
-            </a:r>
-            <a:r>
-              <a:rPr lang="tr-TR" dirty="0" smtClean="0"/>
-              <a:t> model</a:t>
-            </a:r>
-            <a:endParaRPr lang="tr-TR" dirty="0"/>
-          </a:p>
-        </p:txBody>
-      </p:sp>
       <p:pic>
         <p:nvPicPr>
-          <p:cNvPr id="5123" name="Picture 3"/>
+          <p:cNvPr id="3075" name="Picture 3"/>
           <p:cNvPicPr>
             <a:picLocks noChangeAspect="1" noChangeArrowheads="1"/>
           </p:cNvPicPr>
@@ -5587,8 +5512,8 @@
         </p:blipFill>
         <p:spPr bwMode="auto">
           <a:xfrm>
-            <a:off x="642910" y="2285991"/>
-            <a:ext cx="4429156" cy="4390133"/>
+            <a:off x="5000627" y="3428999"/>
+            <a:ext cx="3786215" cy="3252703"/>
           </a:xfrm>
           <a:prstGeom prst="rect">
             <a:avLst/>
@@ -5603,98 +5528,6 @@
           <a:effectLst/>
         </p:spPr>
       </p:pic>
-      <p:sp>
-        <p:nvSpPr>
-          <p:cNvPr id="7" name="6 Dikdörtgen"/>
-          <p:cNvSpPr/>
-          <p:nvPr/>
-        </p:nvSpPr>
-        <p:spPr>
-          <a:xfrm>
-            <a:off x="2786050" y="5715016"/>
-            <a:ext cx="500066" cy="214314"/>
-          </a:xfrm>
-          <a:prstGeom prst="rect">
-            <a:avLst/>
-          </a:prstGeom>
-          <a:noFill/>
-          <a:ln>
-            <a:solidFill>
-              <a:srgbClr val="FF0000"/>
-            </a:solidFill>
-          </a:ln>
-        </p:spPr>
-        <p:style>
-          <a:lnRef idx="2">
-            <a:schemeClr val="accent1">
-              <a:shade val="50000"/>
-            </a:schemeClr>
-          </a:lnRef>
-          <a:fillRef idx="1">
-            <a:schemeClr val="accent1"/>
-          </a:fillRef>
-          <a:effectRef idx="0">
-            <a:schemeClr val="accent1"/>
-          </a:effectRef>
-          <a:fontRef idx="minor">
-            <a:schemeClr val="lt1"/>
-          </a:fontRef>
-        </p:style>
-        <p:txBody>
-          <a:bodyPr rtlCol="0" anchor="ctr"/>
-          <a:lstStyle/>
-          <a:p>
-            <a:pPr algn="ctr"/>
-            <a:endParaRPr lang="tr-TR"/>
-          </a:p>
-        </p:txBody>
-      </p:sp>
-      <p:sp>
-        <p:nvSpPr>
-          <p:cNvPr id="8" name="7 Dikdörtgen"/>
-          <p:cNvSpPr/>
-          <p:nvPr/>
-        </p:nvSpPr>
-        <p:spPr>
-          <a:xfrm>
-            <a:off x="1285852" y="4500570"/>
-            <a:ext cx="714380" cy="214314"/>
-          </a:xfrm>
-          <a:prstGeom prst="rect">
-            <a:avLst/>
-          </a:prstGeom>
-          <a:noFill/>
-          <a:ln>
-            <a:solidFill>
-              <a:srgbClr val="FF0000"/>
-            </a:solidFill>
-          </a:ln>
-        </p:spPr>
-        <p:style>
-          <a:lnRef idx="2">
-            <a:schemeClr val="accent1">
-              <a:shade val="50000"/>
-            </a:schemeClr>
-          </a:lnRef>
-          <a:fillRef idx="1">
-            <a:schemeClr val="accent1"/>
-          </a:fillRef>
-          <a:effectRef idx="0">
-            <a:schemeClr val="accent1"/>
-          </a:effectRef>
-          <a:fontRef idx="minor">
-            <a:schemeClr val="lt1"/>
-          </a:fontRef>
-        </p:style>
-        <p:txBody>
-          <a:bodyPr rtlCol="0" anchor="ctr"/>
-          <a:lstStyle/>
-          <a:p>
-            <a:pPr algn="ctr"/>
-            <a:endParaRPr lang="tr-TR"/>
-          </a:p>
-        </p:txBody>
-      </p:sp>
     </p:spTree>
   </p:cSld>
   <p:clrMapOvr>
@@ -5720,51 +5553,13 @@
           <a:chExt cx="0" cy="0"/>
         </a:xfrm>
       </p:grpSpPr>
-      <p:sp>
-        <p:nvSpPr>
-          <p:cNvPr id="2" name="1 Başlık"/>
-          <p:cNvSpPr>
-            <a:spLocks noGrp="1"/>
-          </p:cNvSpPr>
-          <p:nvPr>
-            <p:ph type="title"/>
-          </p:nvPr>
-        </p:nvSpPr>
-        <p:spPr>
-          <a:xfrm>
-            <a:off x="428596" y="500042"/>
-            <a:ext cx="8229600" cy="928678"/>
-          </a:xfrm>
-        </p:spPr>
-        <p:txBody>
-          <a:bodyPr/>
-          <a:lstStyle/>
-          <a:p>
-            <a:r>
-              <a:rPr lang="tr-TR" dirty="0" err="1" smtClean="0"/>
-              <a:t>Changing</a:t>
-            </a:r>
-            <a:r>
-              <a:rPr lang="tr-TR" dirty="0" smtClean="0"/>
-              <a:t> </a:t>
-            </a:r>
-            <a:r>
-              <a:rPr lang="tr-TR" dirty="0" err="1" smtClean="0"/>
-              <a:t>Threshold</a:t>
-            </a:r>
-            <a:endParaRPr lang="tr-TR" dirty="0"/>
-          </a:p>
-        </p:txBody>
-      </p:sp>
       <p:pic>
         <p:nvPicPr>
-          <p:cNvPr id="6146" name="Picture 2"/>
+          <p:cNvPr id="1026" name="Picture 2"/>
           <p:cNvPicPr>
-            <a:picLocks noGrp="1" noChangeAspect="1" noChangeArrowheads="1"/>
+            <a:picLocks noChangeAspect="1" noChangeArrowheads="1"/>
           </p:cNvPicPr>
-          <p:nvPr>
-            <p:ph idx="1"/>
-          </p:nvPr>
+          <p:nvPr/>
         </p:nvPicPr>
         <p:blipFill>
           <a:blip r:embed="rId2"/>
@@ -5775,8 +5570,8 @@
         </p:blipFill>
         <p:spPr bwMode="auto">
           <a:xfrm>
-            <a:off x="714348" y="1500174"/>
-            <a:ext cx="3067050" cy="2076450"/>
+            <a:off x="642910" y="1473503"/>
+            <a:ext cx="4186236" cy="2455563"/>
           </a:xfrm>
           <a:prstGeom prst="rect">
             <a:avLst/>
@@ -5791,9 +5586,105 @@
           <a:effectLst/>
         </p:spPr>
       </p:pic>
+      <p:sp>
+        <p:nvSpPr>
+          <p:cNvPr id="2" name="1 Başlık"/>
+          <p:cNvSpPr>
+            <a:spLocks noGrp="1"/>
+          </p:cNvSpPr>
+          <p:nvPr>
+            <p:ph type="title"/>
+          </p:nvPr>
+        </p:nvSpPr>
+        <p:spPr>
+          <a:xfrm>
+            <a:off x="428596" y="285728"/>
+            <a:ext cx="8229600" cy="928678"/>
+          </a:xfrm>
+        </p:spPr>
+        <p:txBody>
+          <a:bodyPr/>
+          <a:lstStyle/>
+          <a:p>
+            <a:r>
+              <a:rPr lang="tr-TR" dirty="0" err="1" smtClean="0"/>
+              <a:t>Changing</a:t>
+            </a:r>
+            <a:r>
+              <a:rPr lang="tr-TR" dirty="0" smtClean="0"/>
+              <a:t> </a:t>
+            </a:r>
+            <a:r>
+              <a:rPr lang="tr-TR" dirty="0" err="1" smtClean="0"/>
+              <a:t>Threshold</a:t>
+            </a:r>
+            <a:endParaRPr lang="tr-TR" dirty="0"/>
+          </a:p>
+        </p:txBody>
+      </p:sp>
+      <p:sp>
+        <p:nvSpPr>
+          <p:cNvPr id="11" name="10 Metin kutusu"/>
+          <p:cNvSpPr txBox="1"/>
+          <p:nvPr/>
+        </p:nvSpPr>
+        <p:spPr>
+          <a:xfrm>
+            <a:off x="642910" y="1071546"/>
+            <a:ext cx="1428760" cy="369332"/>
+          </a:xfrm>
+          <a:prstGeom prst="rect">
+            <a:avLst/>
+          </a:prstGeom>
+          <a:noFill/>
+        </p:spPr>
+        <p:txBody>
+          <a:bodyPr wrap="square" rtlCol="0">
+            <a:spAutoFit/>
+          </a:bodyPr>
+          <a:lstStyle/>
+          <a:p>
+            <a:r>
+              <a:rPr lang="tr-TR" dirty="0" smtClean="0"/>
+              <a:t>0.4 ***</a:t>
+            </a:r>
+            <a:endParaRPr lang="tr-TR" dirty="0"/>
+          </a:p>
+        </p:txBody>
+      </p:sp>
+      <p:sp>
+        <p:nvSpPr>
+          <p:cNvPr id="12" name="11 Metin kutusu"/>
+          <p:cNvSpPr txBox="1"/>
+          <p:nvPr/>
+        </p:nvSpPr>
+        <p:spPr>
+          <a:xfrm>
+            <a:off x="4643438" y="3643314"/>
+            <a:ext cx="928694" cy="369332"/>
+          </a:xfrm>
+          <a:prstGeom prst="rect">
+            <a:avLst/>
+          </a:prstGeom>
+          <a:noFill/>
+        </p:spPr>
+        <p:txBody>
+          <a:bodyPr wrap="square" rtlCol="0">
+            <a:spAutoFit/>
+          </a:bodyPr>
+          <a:lstStyle/>
+          <a:p>
+            <a:r>
+              <a:rPr lang="tr-TR" dirty="0" smtClean="0"/>
+              <a:t>0.3</a:t>
+            </a:r>
+            <a:endParaRPr lang="tr-TR" dirty="0"/>
+          </a:p>
+        </p:txBody>
+      </p:sp>
       <p:pic>
         <p:nvPicPr>
-          <p:cNvPr id="6147" name="Picture 3"/>
+          <p:cNvPr id="1027" name="Picture 3"/>
           <p:cNvPicPr>
             <a:picLocks noChangeAspect="1" noChangeArrowheads="1"/>
           </p:cNvPicPr>
@@ -5808,8 +5699,8 @@
         </p:blipFill>
         <p:spPr bwMode="auto">
           <a:xfrm>
-            <a:off x="4286248" y="1500174"/>
-            <a:ext cx="4429125" cy="3562350"/>
+            <a:off x="4595841" y="4000504"/>
+            <a:ext cx="4048125" cy="2714625"/>
           </a:xfrm>
           <a:prstGeom prst="rect">
             <a:avLst/>
@@ -5824,165 +5715,6 @@
           <a:effectLst/>
         </p:spPr>
       </p:pic>
-      <p:sp>
-        <p:nvSpPr>
-          <p:cNvPr id="7" name="6 Dikdörtgen"/>
-          <p:cNvSpPr/>
-          <p:nvPr/>
-        </p:nvSpPr>
-        <p:spPr>
-          <a:xfrm>
-            <a:off x="6357950" y="4071942"/>
-            <a:ext cx="500066" cy="214314"/>
-          </a:xfrm>
-          <a:prstGeom prst="rect">
-            <a:avLst/>
-          </a:prstGeom>
-          <a:noFill/>
-          <a:ln>
-            <a:solidFill>
-              <a:srgbClr val="FF0000"/>
-            </a:solidFill>
-          </a:ln>
-        </p:spPr>
-        <p:style>
-          <a:lnRef idx="2">
-            <a:schemeClr val="accent1">
-              <a:shade val="50000"/>
-            </a:schemeClr>
-          </a:lnRef>
-          <a:fillRef idx="1">
-            <a:schemeClr val="accent1"/>
-          </a:fillRef>
-          <a:effectRef idx="0">
-            <a:schemeClr val="accent1"/>
-          </a:effectRef>
-          <a:fontRef idx="minor">
-            <a:schemeClr val="lt1"/>
-          </a:fontRef>
-        </p:style>
-        <p:txBody>
-          <a:bodyPr rtlCol="0" anchor="ctr"/>
-          <a:lstStyle/>
-          <a:p>
-            <a:pPr algn="ctr"/>
-            <a:endParaRPr lang="tr-TR"/>
-          </a:p>
-        </p:txBody>
-      </p:sp>
-      <p:sp>
-        <p:nvSpPr>
-          <p:cNvPr id="8" name="7 Dikdörtgen"/>
-          <p:cNvSpPr/>
-          <p:nvPr/>
-        </p:nvSpPr>
-        <p:spPr>
-          <a:xfrm>
-            <a:off x="4929190" y="2857496"/>
-            <a:ext cx="714380" cy="214314"/>
-          </a:xfrm>
-          <a:prstGeom prst="rect">
-            <a:avLst/>
-          </a:prstGeom>
-          <a:noFill/>
-          <a:ln>
-            <a:solidFill>
-              <a:srgbClr val="FF0000"/>
-            </a:solidFill>
-          </a:ln>
-        </p:spPr>
-        <p:style>
-          <a:lnRef idx="2">
-            <a:schemeClr val="accent1">
-              <a:shade val="50000"/>
-            </a:schemeClr>
-          </a:lnRef>
-          <a:fillRef idx="1">
-            <a:schemeClr val="accent1"/>
-          </a:fillRef>
-          <a:effectRef idx="0">
-            <a:schemeClr val="accent1"/>
-          </a:effectRef>
-          <a:fontRef idx="minor">
-            <a:schemeClr val="lt1"/>
-          </a:fontRef>
-        </p:style>
-        <p:txBody>
-          <a:bodyPr rtlCol="0" anchor="ctr"/>
-          <a:lstStyle/>
-          <a:p>
-            <a:pPr algn="ctr"/>
-            <a:endParaRPr lang="tr-TR"/>
-          </a:p>
-        </p:txBody>
-      </p:sp>
-      <p:pic>
-        <p:nvPicPr>
-          <p:cNvPr id="6148" name="Picture 4"/>
-          <p:cNvPicPr>
-            <a:picLocks noChangeAspect="1" noChangeArrowheads="1"/>
-          </p:cNvPicPr>
-          <p:nvPr/>
-        </p:nvPicPr>
-        <p:blipFill>
-          <a:blip r:embed="rId4"/>
-          <a:srcRect/>
-          <a:stretch>
-            <a:fillRect/>
-          </a:stretch>
-        </p:blipFill>
-        <p:spPr bwMode="auto">
-          <a:xfrm>
-            <a:off x="500034" y="4572008"/>
-            <a:ext cx="2857520" cy="1893537"/>
-          </a:xfrm>
-          <a:prstGeom prst="rect">
-            <a:avLst/>
-          </a:prstGeom>
-          <a:noFill/>
-          <a:ln w="9525">
-            <a:noFill/>
-            <a:miter lim="800000"/>
-            <a:headEnd/>
-            <a:tailEnd/>
-          </a:ln>
-          <a:effectLst/>
-        </p:spPr>
-      </p:pic>
-      <p:sp>
-        <p:nvSpPr>
-          <p:cNvPr id="10" name="9 Metin kutusu"/>
-          <p:cNvSpPr txBox="1"/>
-          <p:nvPr/>
-        </p:nvSpPr>
-        <p:spPr>
-          <a:xfrm>
-            <a:off x="642910" y="4143380"/>
-            <a:ext cx="2643206" cy="369332"/>
-          </a:xfrm>
-          <a:prstGeom prst="rect">
-            <a:avLst/>
-          </a:prstGeom>
-          <a:noFill/>
-        </p:spPr>
-        <p:txBody>
-          <a:bodyPr wrap="square" rtlCol="0">
-            <a:spAutoFit/>
-          </a:bodyPr>
-          <a:lstStyle/>
-          <a:p>
-            <a:r>
-              <a:rPr lang="tr-TR" b="1" u="sng" dirty="0" err="1" smtClean="0"/>
-              <a:t>Reminding</a:t>
-            </a:r>
-            <a:r>
-              <a:rPr lang="tr-TR" dirty="0" smtClean="0"/>
-              <a:t>:</a:t>
-            </a:r>
-            <a:endParaRPr lang="tr-TR" dirty="0"/>
-          </a:p>
-        </p:txBody>
-      </p:sp>
     </p:spTree>
   </p:cSld>
   <p:clrMapOvr>
@@ -6260,8 +5992,8 @@
         </p:blipFill>
         <p:spPr bwMode="auto">
           <a:xfrm>
-            <a:off x="571472" y="3590945"/>
-            <a:ext cx="3933825" cy="2695575"/>
+            <a:off x="357158" y="1571612"/>
+            <a:ext cx="3648073" cy="2499769"/>
           </a:xfrm>
           <a:prstGeom prst="rect">
             <a:avLst/>
@@ -6278,7 +6010,7 @@
       </p:pic>
       <p:pic>
         <p:nvPicPr>
-          <p:cNvPr id="8195" name="Picture 3"/>
+          <p:cNvPr id="8196" name="Picture 4"/>
           <p:cNvPicPr>
             <a:picLocks noChangeAspect="1" noChangeArrowheads="1"/>
           </p:cNvPicPr>
@@ -6293,8 +6025,8 @@
         </p:blipFill>
         <p:spPr bwMode="auto">
           <a:xfrm>
-            <a:off x="571472" y="1285860"/>
-            <a:ext cx="5905500" cy="2200275"/>
+            <a:off x="4071934" y="1643050"/>
+            <a:ext cx="1666875" cy="676275"/>
           </a:xfrm>
           <a:prstGeom prst="rect">
             <a:avLst/>
@@ -6309,9 +6041,275 @@
           <a:effectLst/>
         </p:spPr>
       </p:pic>
+      <p:sp>
+        <p:nvSpPr>
+          <p:cNvPr id="7" name="6 Metin kutusu"/>
+          <p:cNvSpPr txBox="1"/>
+          <p:nvPr/>
+        </p:nvSpPr>
+        <p:spPr>
+          <a:xfrm>
+            <a:off x="4071902" y="2285992"/>
+            <a:ext cx="5072098" cy="523220"/>
+          </a:xfrm>
+          <a:prstGeom prst="rect">
+            <a:avLst/>
+          </a:prstGeom>
+          <a:noFill/>
+        </p:spPr>
+        <p:txBody>
+          <a:bodyPr wrap="square" rtlCol="0">
+            <a:spAutoFit/>
+          </a:bodyPr>
+          <a:lstStyle/>
+          <a:p>
+            <a:pPr>
+              <a:buFont typeface="Arial" pitchFamily="34" charset="0"/>
+              <a:buChar char="•"/>
+            </a:pPr>
+            <a:r>
+              <a:rPr lang="tr-TR" sz="1400" dirty="0" err="1" smtClean="0"/>
+              <a:t>If</a:t>
+            </a:r>
+            <a:r>
+              <a:rPr lang="tr-TR" sz="1400" dirty="0" smtClean="0"/>
+              <a:t> </a:t>
+            </a:r>
+            <a:r>
+              <a:rPr lang="tr-TR" sz="1400" dirty="0" err="1" smtClean="0"/>
+              <a:t>we</a:t>
+            </a:r>
+            <a:r>
+              <a:rPr lang="tr-TR" sz="1400" dirty="0" smtClean="0"/>
+              <a:t> </a:t>
+            </a:r>
+            <a:r>
+              <a:rPr lang="tr-TR" sz="1400" dirty="0" err="1" smtClean="0"/>
+              <a:t>take</a:t>
+            </a:r>
+            <a:r>
+              <a:rPr lang="tr-TR" sz="1400" dirty="0" smtClean="0"/>
+              <a:t> </a:t>
+            </a:r>
+            <a:r>
+              <a:rPr lang="tr-TR" sz="1400" dirty="0" err="1" smtClean="0"/>
+              <a:t>first</a:t>
+            </a:r>
+            <a:r>
+              <a:rPr lang="tr-TR" sz="1400" dirty="0" smtClean="0"/>
+              <a:t> 20% of data, </a:t>
+            </a:r>
+            <a:r>
+              <a:rPr lang="tr-TR" sz="1400" dirty="0" err="1" smtClean="0"/>
+              <a:t>we</a:t>
+            </a:r>
+            <a:r>
+              <a:rPr lang="tr-TR" sz="1400" dirty="0" smtClean="0"/>
+              <a:t> can </a:t>
+            </a:r>
+            <a:r>
+              <a:rPr lang="tr-TR" sz="1400" dirty="0" err="1" smtClean="0"/>
+              <a:t>obtain</a:t>
+            </a:r>
+            <a:r>
+              <a:rPr lang="tr-TR" sz="1400" dirty="0" smtClean="0"/>
+              <a:t> </a:t>
+            </a:r>
+            <a:r>
+              <a:rPr lang="tr-TR" sz="1400" b="1" dirty="0"/>
+              <a:t>≈ </a:t>
+            </a:r>
+            <a:r>
+              <a:rPr lang="tr-TR" sz="1400" dirty="0" smtClean="0"/>
+              <a:t>60% </a:t>
+            </a:r>
+            <a:r>
+              <a:rPr lang="tr-TR" sz="1400" dirty="0" err="1" smtClean="0"/>
+              <a:t>costumers</a:t>
+            </a:r>
+            <a:r>
+              <a:rPr lang="tr-TR" sz="1400" dirty="0" smtClean="0"/>
+              <a:t> </a:t>
+            </a:r>
+            <a:r>
+              <a:rPr lang="tr-TR" sz="1400" dirty="0" err="1" smtClean="0"/>
+              <a:t>who</a:t>
+            </a:r>
+            <a:r>
+              <a:rPr lang="tr-TR" sz="1400" dirty="0" smtClean="0"/>
+              <a:t> </a:t>
+            </a:r>
+            <a:r>
+              <a:rPr lang="tr-TR" sz="1400" dirty="0" err="1" smtClean="0"/>
+              <a:t>have</a:t>
+            </a:r>
+            <a:r>
+              <a:rPr lang="tr-TR" sz="1400" dirty="0" smtClean="0"/>
+              <a:t> </a:t>
+            </a:r>
+            <a:r>
+              <a:rPr lang="tr-TR" sz="1400" dirty="0" err="1" smtClean="0"/>
+              <a:t>bad</a:t>
+            </a:r>
+            <a:r>
+              <a:rPr lang="tr-TR" sz="1400" dirty="0" smtClean="0"/>
+              <a:t>=1.</a:t>
+            </a:r>
+            <a:endParaRPr lang="tr-TR" sz="1400" dirty="0"/>
+          </a:p>
+        </p:txBody>
+      </p:sp>
+      <p:sp>
+        <p:nvSpPr>
+          <p:cNvPr id="8" name="7 Metin kutusu"/>
+          <p:cNvSpPr txBox="1"/>
+          <p:nvPr/>
+        </p:nvSpPr>
+        <p:spPr>
+          <a:xfrm>
+            <a:off x="4071934" y="2928934"/>
+            <a:ext cx="4500594" cy="523220"/>
+          </a:xfrm>
+          <a:prstGeom prst="rect">
+            <a:avLst/>
+          </a:prstGeom>
+          <a:noFill/>
+        </p:spPr>
+        <p:txBody>
+          <a:bodyPr wrap="square" rtlCol="0">
+            <a:spAutoFit/>
+          </a:bodyPr>
+          <a:lstStyle/>
+          <a:p>
+            <a:pPr>
+              <a:buFont typeface="Arial" pitchFamily="34" charset="0"/>
+              <a:buChar char="•"/>
+            </a:pPr>
+            <a:r>
+              <a:rPr lang="tr-TR" sz="1400" dirty="0" err="1" smtClean="0"/>
+              <a:t>If</a:t>
+            </a:r>
+            <a:r>
+              <a:rPr lang="tr-TR" sz="1400" dirty="0" smtClean="0"/>
+              <a:t> </a:t>
+            </a:r>
+            <a:r>
+              <a:rPr lang="tr-TR" sz="1400" dirty="0" err="1" smtClean="0"/>
+              <a:t>we</a:t>
+            </a:r>
+            <a:r>
+              <a:rPr lang="tr-TR" sz="1400" dirty="0" smtClean="0"/>
+              <a:t> </a:t>
+            </a:r>
+            <a:r>
+              <a:rPr lang="tr-TR" sz="1400" dirty="0" err="1" smtClean="0"/>
+              <a:t>take</a:t>
+            </a:r>
+            <a:r>
+              <a:rPr lang="tr-TR" sz="1400" dirty="0" smtClean="0"/>
+              <a:t> </a:t>
+            </a:r>
+            <a:r>
+              <a:rPr lang="tr-TR" sz="1400" dirty="0" err="1" smtClean="0"/>
+              <a:t>first</a:t>
+            </a:r>
+            <a:r>
+              <a:rPr lang="tr-TR" sz="1400" dirty="0" smtClean="0"/>
+              <a:t> 40% of data, </a:t>
+            </a:r>
+            <a:r>
+              <a:rPr lang="tr-TR" sz="1400" dirty="0" err="1" smtClean="0"/>
+              <a:t>we</a:t>
+            </a:r>
+            <a:r>
+              <a:rPr lang="tr-TR" sz="1400" dirty="0" smtClean="0"/>
+              <a:t> can </a:t>
+            </a:r>
+            <a:r>
+              <a:rPr lang="tr-TR" sz="1400" dirty="0" err="1" smtClean="0"/>
+              <a:t>obtain</a:t>
+            </a:r>
+            <a:r>
+              <a:rPr lang="tr-TR" sz="1400" dirty="0" smtClean="0"/>
+              <a:t> </a:t>
+            </a:r>
+            <a:r>
+              <a:rPr lang="tr-TR" sz="1400" b="1" dirty="0"/>
+              <a:t>≈ </a:t>
+            </a:r>
+            <a:r>
+              <a:rPr lang="tr-TR" sz="1400" dirty="0" smtClean="0"/>
+              <a:t>75% </a:t>
+            </a:r>
+            <a:r>
+              <a:rPr lang="tr-TR" sz="1400" dirty="0" err="1" smtClean="0"/>
+              <a:t>costumers</a:t>
+            </a:r>
+            <a:r>
+              <a:rPr lang="tr-TR" sz="1400" dirty="0" smtClean="0"/>
+              <a:t> </a:t>
+            </a:r>
+            <a:r>
+              <a:rPr lang="tr-TR" sz="1400" dirty="0" err="1" smtClean="0"/>
+              <a:t>who</a:t>
+            </a:r>
+            <a:r>
+              <a:rPr lang="tr-TR" sz="1400" dirty="0" smtClean="0"/>
+              <a:t> </a:t>
+            </a:r>
+            <a:r>
+              <a:rPr lang="tr-TR" sz="1400" dirty="0" err="1" smtClean="0"/>
+              <a:t>have</a:t>
+            </a:r>
+            <a:r>
+              <a:rPr lang="tr-TR" sz="1400" dirty="0" smtClean="0"/>
+              <a:t> </a:t>
+            </a:r>
+            <a:r>
+              <a:rPr lang="tr-TR" sz="1400" dirty="0" err="1" smtClean="0"/>
+              <a:t>bad</a:t>
+            </a:r>
+            <a:r>
+              <a:rPr lang="tr-TR" sz="1400" dirty="0" smtClean="0"/>
+              <a:t>=1.</a:t>
+            </a:r>
+            <a:endParaRPr lang="tr-TR" sz="1400" dirty="0"/>
+          </a:p>
+        </p:txBody>
+      </p:sp>
+      <p:sp>
+        <p:nvSpPr>
+          <p:cNvPr id="9" name="8 Metin kutusu"/>
+          <p:cNvSpPr txBox="1"/>
+          <p:nvPr/>
+        </p:nvSpPr>
+        <p:spPr>
+          <a:xfrm>
+            <a:off x="642910" y="1214422"/>
+            <a:ext cx="1571636" cy="369332"/>
+          </a:xfrm>
+          <a:prstGeom prst="rect">
+            <a:avLst/>
+          </a:prstGeom>
+          <a:noFill/>
+        </p:spPr>
+        <p:txBody>
+          <a:bodyPr wrap="square" rtlCol="0">
+            <a:spAutoFit/>
+          </a:bodyPr>
+          <a:lstStyle/>
+          <a:p>
+            <a:r>
+              <a:rPr lang="tr-TR" dirty="0" err="1" smtClean="0"/>
+              <a:t>train</a:t>
+            </a:r>
+            <a:endParaRPr lang="tr-TR" dirty="0"/>
+          </a:p>
+        </p:txBody>
+      </p:sp>
       <p:pic>
         <p:nvPicPr>
-          <p:cNvPr id="8196" name="Picture 4"/>
+          <p:cNvPr id="2050" name="Picture 2"/>
           <p:cNvPicPr>
             <a:picLocks noChangeAspect="1" noChangeArrowheads="1"/>
           </p:cNvPicPr>
@@ -6326,8 +6324,8 @@
         </p:blipFill>
         <p:spPr bwMode="auto">
           <a:xfrm>
-            <a:off x="4429124" y="3857628"/>
-            <a:ext cx="1666875" cy="676275"/>
+            <a:off x="285720" y="4229100"/>
+            <a:ext cx="4000500" cy="2628900"/>
           </a:xfrm>
           <a:prstGeom prst="rect">
             <a:avLst/>
@@ -6344,14 +6342,14 @@
       </p:pic>
       <p:sp>
         <p:nvSpPr>
-          <p:cNvPr id="7" name="6 Metin kutusu"/>
+          <p:cNvPr id="10" name="9 Metin kutusu"/>
           <p:cNvSpPr txBox="1"/>
           <p:nvPr/>
         </p:nvSpPr>
         <p:spPr>
           <a:xfrm>
-            <a:off x="4286248" y="4786322"/>
-            <a:ext cx="4500594" cy="646331"/>
+            <a:off x="714348" y="3929066"/>
+            <a:ext cx="1571636" cy="369332"/>
           </a:xfrm>
           <a:prstGeom prst="rect">
             <a:avLst/>
@@ -6364,215 +6362,9 @@
           </a:bodyPr>
           <a:lstStyle/>
           <a:p>
-            <a:pPr>
-              <a:buFont typeface="Arial" pitchFamily="34" charset="0"/>
-              <a:buChar char="•"/>
-            </a:pPr>
-            <a:r>
-              <a:rPr lang="tr-TR" dirty="0" err="1" smtClean="0"/>
-              <a:t>If</a:t>
-            </a:r>
             <a:r>
               <a:rPr lang="tr-TR" dirty="0" smtClean="0"/>
-              <a:t> </a:t>
-            </a:r>
-            <a:r>
-              <a:rPr lang="tr-TR" dirty="0" err="1" smtClean="0"/>
-              <a:t>we</a:t>
-            </a:r>
-            <a:r>
-              <a:rPr lang="tr-TR" dirty="0" smtClean="0"/>
-              <a:t> </a:t>
-            </a:r>
-            <a:r>
-              <a:rPr lang="tr-TR" dirty="0" err="1" smtClean="0"/>
-              <a:t>take</a:t>
-            </a:r>
-            <a:r>
-              <a:rPr lang="tr-TR" dirty="0" smtClean="0"/>
-              <a:t> </a:t>
-            </a:r>
-            <a:r>
-              <a:rPr lang="tr-TR" dirty="0" err="1" smtClean="0"/>
-              <a:t>first</a:t>
-            </a:r>
-            <a:r>
-              <a:rPr lang="tr-TR" dirty="0" smtClean="0"/>
-              <a:t> 20% of data, </a:t>
-            </a:r>
-            <a:r>
-              <a:rPr lang="tr-TR" dirty="0" err="1" smtClean="0"/>
-              <a:t>we</a:t>
-            </a:r>
-            <a:r>
-              <a:rPr lang="tr-TR" dirty="0" smtClean="0"/>
-              <a:t> can </a:t>
-            </a:r>
-            <a:r>
-              <a:rPr lang="tr-TR" dirty="0" err="1" smtClean="0"/>
-              <a:t>obtain</a:t>
-            </a:r>
-            <a:r>
-              <a:rPr lang="tr-TR" dirty="0" smtClean="0"/>
-              <a:t> </a:t>
-            </a:r>
-            <a:r>
-              <a:rPr lang="tr-TR" b="1" dirty="0"/>
-              <a:t>≈ </a:t>
-            </a:r>
-            <a:r>
-              <a:rPr lang="tr-TR" dirty="0" smtClean="0"/>
-              <a:t>60% </a:t>
-            </a:r>
-            <a:r>
-              <a:rPr lang="tr-TR" dirty="0" err="1" smtClean="0"/>
-              <a:t>costumers</a:t>
-            </a:r>
-            <a:r>
-              <a:rPr lang="tr-TR" dirty="0" smtClean="0"/>
-              <a:t> </a:t>
-            </a:r>
-            <a:r>
-              <a:rPr lang="tr-TR" dirty="0" err="1" smtClean="0"/>
-              <a:t>who</a:t>
-            </a:r>
-            <a:r>
-              <a:rPr lang="tr-TR" dirty="0" smtClean="0"/>
-              <a:t> </a:t>
-            </a:r>
-            <a:r>
-              <a:rPr lang="tr-TR" dirty="0" err="1" smtClean="0"/>
-              <a:t>have</a:t>
-            </a:r>
-            <a:r>
-              <a:rPr lang="tr-TR" dirty="0" smtClean="0"/>
-              <a:t> </a:t>
-            </a:r>
-            <a:r>
-              <a:rPr lang="tr-TR" dirty="0" err="1" smtClean="0"/>
-              <a:t>bad</a:t>
-            </a:r>
-            <a:r>
-              <a:rPr lang="tr-TR" dirty="0" smtClean="0"/>
-              <a:t>=1.</a:t>
-            </a:r>
-            <a:endParaRPr lang="tr-TR" dirty="0"/>
-          </a:p>
-        </p:txBody>
-      </p:sp>
-      <p:sp>
-        <p:nvSpPr>
-          <p:cNvPr id="8" name="7 Metin kutusu"/>
-          <p:cNvSpPr txBox="1"/>
-          <p:nvPr/>
-        </p:nvSpPr>
-        <p:spPr>
-          <a:xfrm>
-            <a:off x="4357686" y="5429264"/>
-            <a:ext cx="4500594" cy="646331"/>
-          </a:xfrm>
-          <a:prstGeom prst="rect">
-            <a:avLst/>
-          </a:prstGeom>
-          <a:noFill/>
-        </p:spPr>
-        <p:txBody>
-          <a:bodyPr wrap="square" rtlCol="0">
-            <a:spAutoFit/>
-          </a:bodyPr>
-          <a:lstStyle/>
-          <a:p>
-            <a:pPr>
-              <a:buFont typeface="Arial" pitchFamily="34" charset="0"/>
-              <a:buChar char="•"/>
-            </a:pPr>
-            <a:r>
-              <a:rPr lang="tr-TR" dirty="0" err="1" smtClean="0"/>
-              <a:t>If</a:t>
-            </a:r>
-            <a:r>
-              <a:rPr lang="tr-TR" dirty="0" smtClean="0"/>
-              <a:t> </a:t>
-            </a:r>
-            <a:r>
-              <a:rPr lang="tr-TR" dirty="0" err="1" smtClean="0"/>
-              <a:t>we</a:t>
-            </a:r>
-            <a:r>
-              <a:rPr lang="tr-TR" dirty="0" smtClean="0"/>
-              <a:t> </a:t>
-            </a:r>
-            <a:r>
-              <a:rPr lang="tr-TR" dirty="0" err="1" smtClean="0"/>
-              <a:t>take</a:t>
-            </a:r>
-            <a:r>
-              <a:rPr lang="tr-TR" dirty="0" smtClean="0"/>
-              <a:t> </a:t>
-            </a:r>
-            <a:r>
-              <a:rPr lang="tr-TR" dirty="0" err="1" smtClean="0"/>
-              <a:t>first</a:t>
-            </a:r>
-            <a:r>
-              <a:rPr lang="tr-TR" dirty="0" smtClean="0"/>
-              <a:t> 40% of data, </a:t>
-            </a:r>
-            <a:r>
-              <a:rPr lang="tr-TR" dirty="0" err="1" smtClean="0"/>
-              <a:t>we</a:t>
-            </a:r>
-            <a:r>
-              <a:rPr lang="tr-TR" dirty="0" smtClean="0"/>
-              <a:t> can </a:t>
-            </a:r>
-            <a:r>
-              <a:rPr lang="tr-TR" dirty="0" err="1" smtClean="0"/>
-              <a:t>obtain</a:t>
-            </a:r>
-            <a:r>
-              <a:rPr lang="tr-TR" dirty="0" smtClean="0"/>
-              <a:t> </a:t>
-            </a:r>
-            <a:r>
-              <a:rPr lang="tr-TR" b="1" dirty="0"/>
-              <a:t>≈ </a:t>
-            </a:r>
-            <a:r>
-              <a:rPr lang="tr-TR" dirty="0" smtClean="0"/>
-              <a:t>75% </a:t>
-            </a:r>
-            <a:r>
-              <a:rPr lang="tr-TR" dirty="0" err="1" smtClean="0"/>
-              <a:t>costumers</a:t>
-            </a:r>
-            <a:r>
-              <a:rPr lang="tr-TR" dirty="0" smtClean="0"/>
-              <a:t> </a:t>
-            </a:r>
-            <a:r>
-              <a:rPr lang="tr-TR" dirty="0" err="1" smtClean="0"/>
-              <a:t>who</a:t>
-            </a:r>
-            <a:r>
-              <a:rPr lang="tr-TR" dirty="0" smtClean="0"/>
-              <a:t> </a:t>
-            </a:r>
-            <a:r>
-              <a:rPr lang="tr-TR" dirty="0" err="1" smtClean="0"/>
-              <a:t>have</a:t>
-            </a:r>
-            <a:r>
-              <a:rPr lang="tr-TR" dirty="0" smtClean="0"/>
-              <a:t> </a:t>
-            </a:r>
-            <a:r>
-              <a:rPr lang="tr-TR" dirty="0" err="1" smtClean="0"/>
-              <a:t>bad</a:t>
-            </a:r>
-            <a:r>
-              <a:rPr lang="tr-TR" dirty="0" smtClean="0"/>
-              <a:t>=1.</a:t>
+              <a:t>test</a:t>
             </a:r>
             <a:endParaRPr lang="tr-TR" dirty="0"/>
           </a:p>
